--- a/Présentation soutenance P8.pptx
+++ b/Présentation soutenance P8.pptx
@@ -6,6 +6,14 @@
   </p:sldMasterIdLst>
   <p:sldIdLst>
     <p:sldId id="256" r:id="rId2"/>
+    <p:sldId id="258" r:id="rId3"/>
+    <p:sldId id="257" r:id="rId4"/>
+    <p:sldId id="262" r:id="rId5"/>
+    <p:sldId id="259" r:id="rId6"/>
+    <p:sldId id="260" r:id="rId7"/>
+    <p:sldId id="261" r:id="rId8"/>
+    <p:sldId id="263" r:id="rId9"/>
+    <p:sldId id="264" r:id="rId10"/>
   </p:sldIdLst>
   <p:sldSz cx="12192000" cy="6858000"/>
   <p:notesSz cx="6858000" cy="9144000"/>
@@ -3372,13 +3380,8 @@
           <a:p>
             <a:r>
               <a:rPr lang="fr-FR" dirty="0"/>
-              <a:t>Application web de </a:t>
-            </a:r>
-            <a:r>
-              <a:rPr lang="fr-FR"/>
-              <a:t>location immobilière</a:t>
-            </a:r>
-            <a:endParaRPr lang="fr-FR" dirty="0"/>
+              <a:t>Application web de location immobilière</a:t>
+            </a:r>
           </a:p>
         </p:txBody>
       </p:sp>
@@ -3404,7 +3407,7 @@
         </p:blipFill>
         <p:spPr>
           <a:xfrm>
-            <a:off x="4965700" y="4042569"/>
+            <a:off x="4831588" y="1421289"/>
             <a:ext cx="2260600" cy="774700"/>
           </a:xfrm>
           <a:prstGeom prst="rect">
@@ -3416,6 +3419,1189 @@
     <p:extLst>
       <p:ext uri="{BB962C8B-B14F-4D97-AF65-F5344CB8AC3E}">
         <p14:creationId xmlns:p14="http://schemas.microsoft.com/office/powerpoint/2010/main" val="1674611274"/>
+      </p:ext>
+    </p:extLst>
+  </p:cSld>
+  <p:clrMapOvr>
+    <a:masterClrMapping/>
+  </p:clrMapOvr>
+</p:sld>
+</file>
+
+<file path=ppt/slides/slide2.xml><?xml version="1.0" encoding="utf-8"?>
+<p:sld xmlns:a="http://schemas.openxmlformats.org/drawingml/2006/main" xmlns:r="http://schemas.openxmlformats.org/officeDocument/2006/relationships" xmlns:p="http://schemas.openxmlformats.org/presentationml/2006/main">
+  <p:cSld>
+    <p:spTree>
+      <p:nvGrpSpPr>
+        <p:cNvPr id="1" name=""/>
+        <p:cNvGrpSpPr/>
+        <p:nvPr/>
+      </p:nvGrpSpPr>
+      <p:grpSpPr>
+        <a:xfrm>
+          <a:off x="0" y="0"/>
+          <a:ext cx="0" cy="0"/>
+          <a:chOff x="0" y="0"/>
+          <a:chExt cx="0" cy="0"/>
+        </a:xfrm>
+      </p:grpSpPr>
+      <p:sp>
+        <p:nvSpPr>
+          <p:cNvPr id="2" name="Titre 1">
+            <a:extLst>
+              <a:ext uri="{FF2B5EF4-FFF2-40B4-BE49-F238E27FC236}">
+                <a16:creationId xmlns:a16="http://schemas.microsoft.com/office/drawing/2014/main" id="{F49FE07B-C11D-CC75-2865-F44FBB57644C}"/>
+              </a:ext>
+            </a:extLst>
+          </p:cNvPr>
+          <p:cNvSpPr>
+            <a:spLocks noGrp="1"/>
+          </p:cNvSpPr>
+          <p:nvPr>
+            <p:ph type="title"/>
+          </p:nvPr>
+        </p:nvSpPr>
+        <p:spPr/>
+        <p:txBody>
+          <a:bodyPr/>
+          <a:lstStyle/>
+          <a:p>
+            <a:r>
+              <a:rPr lang="fr-FR" dirty="0"/>
+              <a:t>Notre premier projet en React : framework de JS</a:t>
+            </a:r>
+          </a:p>
+        </p:txBody>
+      </p:sp>
+      <p:sp>
+        <p:nvSpPr>
+          <p:cNvPr id="3" name="Espace réservé du contenu 2">
+            <a:extLst>
+              <a:ext uri="{FF2B5EF4-FFF2-40B4-BE49-F238E27FC236}">
+                <a16:creationId xmlns:a16="http://schemas.microsoft.com/office/drawing/2014/main" id="{67CCE318-3B0E-8C7B-EFF6-4BABC8D3160D}"/>
+              </a:ext>
+            </a:extLst>
+          </p:cNvPr>
+          <p:cNvSpPr>
+            <a:spLocks noGrp="1"/>
+          </p:cNvSpPr>
+          <p:nvPr>
+            <p:ph idx="1"/>
+          </p:nvPr>
+        </p:nvSpPr>
+        <p:spPr/>
+        <p:txBody>
+          <a:bodyPr/>
+          <a:lstStyle/>
+          <a:p>
+            <a:r>
+              <a:rPr lang="fr-FR" dirty="0"/>
+              <a:t>Refonte du site sous la direction du CTO.</a:t>
+            </a:r>
+          </a:p>
+          <a:p>
+            <a:pPr marL="0" indent="0">
+              <a:buNone/>
+            </a:pPr>
+            <a:endParaRPr lang="fr-FR" dirty="0"/>
+          </a:p>
+          <a:p>
+            <a:r>
+              <a:rPr lang="fr-FR" dirty="0"/>
+              <a:t>Rôle de Développeur front-end</a:t>
+            </a:r>
+          </a:p>
+          <a:p>
+            <a:pPr marL="0" indent="0">
+              <a:buNone/>
+            </a:pPr>
+            <a:endParaRPr lang="fr-FR" dirty="0"/>
+          </a:p>
+          <a:p>
+            <a:r>
+              <a:rPr lang="fr-FR" dirty="0"/>
+              <a:t> les maquettes </a:t>
+            </a:r>
+            <a:r>
+              <a:rPr lang="fr-FR" dirty="0" err="1"/>
+              <a:t>Figma</a:t>
+            </a:r>
+            <a:r>
+              <a:rPr lang="fr-FR" dirty="0"/>
+              <a:t>, les </a:t>
+            </a:r>
+            <a:r>
+              <a:rPr lang="fr-FR" dirty="0" err="1"/>
+              <a:t>coding</a:t>
+            </a:r>
+            <a:r>
+              <a:rPr lang="fr-FR" dirty="0"/>
+              <a:t> guidelines pour nous aider</a:t>
+            </a:r>
+          </a:p>
+        </p:txBody>
+      </p:sp>
+    </p:spTree>
+    <p:extLst>
+      <p:ext uri="{BB962C8B-B14F-4D97-AF65-F5344CB8AC3E}">
+        <p14:creationId xmlns:p14="http://schemas.microsoft.com/office/powerpoint/2010/main" val="50250884"/>
+      </p:ext>
+    </p:extLst>
+  </p:cSld>
+  <p:clrMapOvr>
+    <a:masterClrMapping/>
+  </p:clrMapOvr>
+</p:sld>
+</file>
+
+<file path=ppt/slides/slide3.xml><?xml version="1.0" encoding="utf-8"?>
+<p:sld xmlns:a="http://schemas.openxmlformats.org/drawingml/2006/main" xmlns:r="http://schemas.openxmlformats.org/officeDocument/2006/relationships" xmlns:p="http://schemas.openxmlformats.org/presentationml/2006/main">
+  <p:cSld>
+    <p:spTree>
+      <p:nvGrpSpPr>
+        <p:cNvPr id="1" name=""/>
+        <p:cNvGrpSpPr/>
+        <p:nvPr/>
+      </p:nvGrpSpPr>
+      <p:grpSpPr>
+        <a:xfrm>
+          <a:off x="0" y="0"/>
+          <a:ext cx="0" cy="0"/>
+          <a:chOff x="0" y="0"/>
+          <a:chExt cx="0" cy="0"/>
+        </a:xfrm>
+      </p:grpSpPr>
+      <p:sp>
+        <p:nvSpPr>
+          <p:cNvPr id="2" name="Titre 1">
+            <a:extLst>
+              <a:ext uri="{FF2B5EF4-FFF2-40B4-BE49-F238E27FC236}">
+                <a16:creationId xmlns:a16="http://schemas.microsoft.com/office/drawing/2014/main" id="{4B8B5292-4EB8-7570-20B6-CF49E353C5FE}"/>
+              </a:ext>
+            </a:extLst>
+          </p:cNvPr>
+          <p:cNvSpPr>
+            <a:spLocks noGrp="1"/>
+          </p:cNvSpPr>
+          <p:nvPr>
+            <p:ph type="title"/>
+          </p:nvPr>
+        </p:nvSpPr>
+        <p:spPr/>
+        <p:txBody>
+          <a:bodyPr/>
+          <a:lstStyle/>
+          <a:p>
+            <a:r>
+              <a:rPr lang="fr-FR" dirty="0"/>
+              <a:t>1</a:t>
+            </a:r>
+            <a:r>
+              <a:rPr lang="fr-FR" baseline="30000" dirty="0"/>
+              <a:t>ère</a:t>
+            </a:r>
+            <a:r>
+              <a:rPr lang="fr-FR" dirty="0"/>
+              <a:t> étape : initialisation du projet</a:t>
+            </a:r>
+          </a:p>
+        </p:txBody>
+      </p:sp>
+      <p:sp>
+        <p:nvSpPr>
+          <p:cNvPr id="3" name="Espace réservé du contenu 2">
+            <a:extLst>
+              <a:ext uri="{FF2B5EF4-FFF2-40B4-BE49-F238E27FC236}">
+                <a16:creationId xmlns:a16="http://schemas.microsoft.com/office/drawing/2014/main" id="{D256B928-BD0A-A793-946C-F6DD0414A5F8}"/>
+              </a:ext>
+            </a:extLst>
+          </p:cNvPr>
+          <p:cNvSpPr>
+            <a:spLocks noGrp="1"/>
+          </p:cNvSpPr>
+          <p:nvPr>
+            <p:ph idx="1"/>
+          </p:nvPr>
+        </p:nvSpPr>
+        <p:spPr/>
+        <p:txBody>
+          <a:bodyPr>
+            <a:normAutofit lnSpcReduction="10000"/>
+          </a:bodyPr>
+          <a:lstStyle/>
+          <a:p>
+            <a:r>
+              <a:rPr lang="fr-FR" dirty="0"/>
+              <a:t>Premier projet généré ex-nihilo : pas de repo, pas de clonage Git.</a:t>
+            </a:r>
+          </a:p>
+          <a:p>
+            <a:endParaRPr lang="fr-FR" dirty="0"/>
+          </a:p>
+          <a:p>
+            <a:r>
+              <a:rPr lang="fr-FR" dirty="0"/>
+              <a:t>Utilisation du terminal pour l’installation</a:t>
+            </a:r>
+          </a:p>
+          <a:p>
+            <a:endParaRPr lang="fr-FR" dirty="0"/>
+          </a:p>
+          <a:p>
+            <a:r>
+              <a:rPr lang="fr-FR" dirty="0"/>
+              <a:t>Initialisation du projet avec CRA (Create React App)</a:t>
+            </a:r>
+          </a:p>
+          <a:p>
+            <a:endParaRPr lang="fr-FR" dirty="0"/>
+          </a:p>
+          <a:p>
+            <a:r>
+              <a:rPr lang="fr-FR" dirty="0"/>
+              <a:t>Ajout du fichiers JSON (pas de développeur Back-end) </a:t>
+            </a:r>
+          </a:p>
+          <a:p>
+            <a:endParaRPr lang="fr-FR" dirty="0"/>
+          </a:p>
+          <a:p>
+            <a:r>
+              <a:rPr lang="fr-FR" dirty="0"/>
+              <a:t>Affichage de React dans mon localhost (logo animé et favicon)</a:t>
+            </a:r>
+          </a:p>
+        </p:txBody>
+      </p:sp>
+    </p:spTree>
+    <p:extLst>
+      <p:ext uri="{BB962C8B-B14F-4D97-AF65-F5344CB8AC3E}">
+        <p14:creationId xmlns:p14="http://schemas.microsoft.com/office/powerpoint/2010/main" val="111029812"/>
+      </p:ext>
+    </p:extLst>
+  </p:cSld>
+  <p:clrMapOvr>
+    <a:masterClrMapping/>
+  </p:clrMapOvr>
+</p:sld>
+</file>
+
+<file path=ppt/slides/slide4.xml><?xml version="1.0" encoding="utf-8"?>
+<p:sld xmlns:a="http://schemas.openxmlformats.org/drawingml/2006/main" xmlns:r="http://schemas.openxmlformats.org/officeDocument/2006/relationships" xmlns:p="http://schemas.openxmlformats.org/presentationml/2006/main">
+  <p:cSld>
+    <p:spTree>
+      <p:nvGrpSpPr>
+        <p:cNvPr id="1" name=""/>
+        <p:cNvGrpSpPr/>
+        <p:nvPr/>
+      </p:nvGrpSpPr>
+      <p:grpSpPr>
+        <a:xfrm>
+          <a:off x="0" y="0"/>
+          <a:ext cx="0" cy="0"/>
+          <a:chOff x="0" y="0"/>
+          <a:chExt cx="0" cy="0"/>
+        </a:xfrm>
+      </p:grpSpPr>
+      <p:sp>
+        <p:nvSpPr>
+          <p:cNvPr id="2" name="Titre 1">
+            <a:extLst>
+              <a:ext uri="{FF2B5EF4-FFF2-40B4-BE49-F238E27FC236}">
+                <a16:creationId xmlns:a16="http://schemas.microsoft.com/office/drawing/2014/main" id="{6C92B1C8-DF2E-9AD5-954F-9DEA4129AB99}"/>
+              </a:ext>
+            </a:extLst>
+          </p:cNvPr>
+          <p:cNvSpPr>
+            <a:spLocks noGrp="1"/>
+          </p:cNvSpPr>
+          <p:nvPr>
+            <p:ph type="title"/>
+          </p:nvPr>
+        </p:nvSpPr>
+        <p:spPr/>
+        <p:txBody>
+          <a:bodyPr/>
+          <a:lstStyle/>
+          <a:p>
+            <a:r>
+              <a:rPr lang="fr-FR" dirty="0"/>
+              <a:t>2</a:t>
+            </a:r>
+            <a:r>
+              <a:rPr lang="fr-FR" baseline="30000" dirty="0"/>
+              <a:t>ème</a:t>
+            </a:r>
+            <a:r>
+              <a:rPr lang="fr-FR" dirty="0"/>
+              <a:t> et 3</a:t>
+            </a:r>
+            <a:r>
+              <a:rPr lang="fr-FR" baseline="30000" dirty="0"/>
+              <a:t>ème</a:t>
+            </a:r>
+            <a:r>
+              <a:rPr lang="fr-FR" dirty="0"/>
+              <a:t> étape :Installation de React Router et configuration des routes</a:t>
+            </a:r>
+          </a:p>
+        </p:txBody>
+      </p:sp>
+      <p:sp>
+        <p:nvSpPr>
+          <p:cNvPr id="3" name="Espace réservé du contenu 2">
+            <a:extLst>
+              <a:ext uri="{FF2B5EF4-FFF2-40B4-BE49-F238E27FC236}">
+                <a16:creationId xmlns:a16="http://schemas.microsoft.com/office/drawing/2014/main" id="{13761E23-6B2D-855E-D305-E233BA4258B9}"/>
+              </a:ext>
+            </a:extLst>
+          </p:cNvPr>
+          <p:cNvSpPr>
+            <a:spLocks noGrp="1"/>
+          </p:cNvSpPr>
+          <p:nvPr>
+            <p:ph idx="1"/>
+          </p:nvPr>
+        </p:nvSpPr>
+        <p:spPr/>
+        <p:txBody>
+          <a:bodyPr>
+            <a:normAutofit lnSpcReduction="10000"/>
+          </a:bodyPr>
+          <a:lstStyle/>
+          <a:p>
+            <a:pPr marL="0" indent="0">
+              <a:buNone/>
+            </a:pPr>
+            <a:r>
+              <a:rPr lang="fr-FR" dirty="0"/>
+              <a:t>Le fichier Router.jsx contient la liste des pages avec le chemin pour les atteindre (path).</a:t>
+            </a:r>
+          </a:p>
+          <a:p>
+            <a:pPr marL="0" indent="0">
+              <a:buNone/>
+            </a:pPr>
+            <a:r>
+              <a:rPr lang="fr-FR" dirty="0"/>
+              <a:t>En parallèle, Navlink permet la redirection vers d’autres pages lors d’un clic prédéfini au niveau de la Navbar :</a:t>
+            </a:r>
+          </a:p>
+          <a:p>
+            <a:r>
+              <a:rPr lang="fr-FR" dirty="0"/>
+              <a:t>Accueil redirige vers la page principale, A propos vers sa page correspondante.</a:t>
+            </a:r>
+          </a:p>
+          <a:p>
+            <a:r>
+              <a:rPr lang="fr-FR" dirty="0"/>
+              <a:t>La page d’erreur 404 renvoie vers l’accueil en cliquant sur le dernier lien</a:t>
+            </a:r>
+          </a:p>
+          <a:p>
+            <a:r>
+              <a:rPr lang="fr-FR" dirty="0"/>
+              <a:t>La fonction Apartment permet de visualiser la page des différents appartements grâce à Navlink.</a:t>
+            </a:r>
+          </a:p>
+          <a:p>
+            <a:pPr marL="0" indent="0">
+              <a:buNone/>
+            </a:pPr>
+            <a:endParaRPr lang="fr-FR" dirty="0"/>
+          </a:p>
+          <a:p>
+            <a:pPr marL="0" indent="0">
+              <a:buNone/>
+            </a:pPr>
+            <a:endParaRPr lang="fr-FR" dirty="0"/>
+          </a:p>
+          <a:p>
+            <a:pPr marL="0" indent="0">
+              <a:buNone/>
+            </a:pPr>
+            <a:endParaRPr lang="fr-FR" dirty="0"/>
+          </a:p>
+          <a:p>
+            <a:pPr marL="0" indent="0">
+              <a:buNone/>
+            </a:pPr>
+            <a:endParaRPr lang="fr-FR" dirty="0"/>
+          </a:p>
+        </p:txBody>
+      </p:sp>
+    </p:spTree>
+    <p:extLst>
+      <p:ext uri="{BB962C8B-B14F-4D97-AF65-F5344CB8AC3E}">
+        <p14:creationId xmlns:p14="http://schemas.microsoft.com/office/powerpoint/2010/main" val="2919915667"/>
+      </p:ext>
+    </p:extLst>
+  </p:cSld>
+  <p:clrMapOvr>
+    <a:masterClrMapping/>
+  </p:clrMapOvr>
+</p:sld>
+</file>
+
+<file path=ppt/slides/slide5.xml><?xml version="1.0" encoding="utf-8"?>
+<p:sld xmlns:a="http://schemas.openxmlformats.org/drawingml/2006/main" xmlns:r="http://schemas.openxmlformats.org/officeDocument/2006/relationships" xmlns:p="http://schemas.openxmlformats.org/presentationml/2006/main">
+  <p:cSld>
+    <p:spTree>
+      <p:nvGrpSpPr>
+        <p:cNvPr id="1" name=""/>
+        <p:cNvGrpSpPr/>
+        <p:nvPr/>
+      </p:nvGrpSpPr>
+      <p:grpSpPr>
+        <a:xfrm>
+          <a:off x="0" y="0"/>
+          <a:ext cx="0" cy="0"/>
+          <a:chOff x="0" y="0"/>
+          <a:chExt cx="0" cy="0"/>
+        </a:xfrm>
+      </p:grpSpPr>
+      <p:sp>
+        <p:nvSpPr>
+          <p:cNvPr id="2" name="Titre 1">
+            <a:extLst>
+              <a:ext uri="{FF2B5EF4-FFF2-40B4-BE49-F238E27FC236}">
+                <a16:creationId xmlns:a16="http://schemas.microsoft.com/office/drawing/2014/main" id="{01747EDE-FC61-5860-85E0-56ECC1CAA08B}"/>
+              </a:ext>
+            </a:extLst>
+          </p:cNvPr>
+          <p:cNvSpPr>
+            <a:spLocks noGrp="1"/>
+          </p:cNvSpPr>
+          <p:nvPr>
+            <p:ph type="title"/>
+          </p:nvPr>
+        </p:nvSpPr>
+        <p:spPr/>
+        <p:txBody>
+          <a:bodyPr/>
+          <a:lstStyle/>
+          <a:p>
+            <a:r>
+              <a:rPr lang="fr-FR" dirty="0"/>
+              <a:t>4ème étape à 6</a:t>
+            </a:r>
+            <a:r>
+              <a:rPr lang="fr-FR" baseline="30000" dirty="0"/>
+              <a:t>ème</a:t>
+            </a:r>
+            <a:r>
+              <a:rPr lang="fr-FR" dirty="0"/>
+              <a:t> étape  : Codage de toutes les pages de manière statique</a:t>
+            </a:r>
+          </a:p>
+        </p:txBody>
+      </p:sp>
+      <p:sp>
+        <p:nvSpPr>
+          <p:cNvPr id="3" name="Espace réservé du contenu 2">
+            <a:extLst>
+              <a:ext uri="{FF2B5EF4-FFF2-40B4-BE49-F238E27FC236}">
+                <a16:creationId xmlns:a16="http://schemas.microsoft.com/office/drawing/2014/main" id="{E2BC7CF3-832D-3BD6-BD73-26F80B58294C}"/>
+              </a:ext>
+            </a:extLst>
+          </p:cNvPr>
+          <p:cNvSpPr>
+            <a:spLocks noGrp="1"/>
+          </p:cNvSpPr>
+          <p:nvPr>
+            <p:ph idx="1"/>
+          </p:nvPr>
+        </p:nvSpPr>
+        <p:spPr/>
+        <p:txBody>
+          <a:bodyPr/>
+          <a:lstStyle/>
+          <a:p>
+            <a:pPr marL="0" indent="0">
+              <a:buNone/>
+            </a:pPr>
+            <a:r>
+              <a:rPr lang="fr-FR" dirty="0"/>
+              <a:t>Codage des différentes pages de Kasa : </a:t>
+            </a:r>
+          </a:p>
+          <a:p>
+            <a:r>
+              <a:rPr lang="fr-FR" dirty="0"/>
+              <a:t>Page d’accueil</a:t>
+            </a:r>
+          </a:p>
+          <a:p>
+            <a:r>
+              <a:rPr lang="fr-FR" dirty="0"/>
+              <a:t>Page d’appartement (flat)</a:t>
+            </a:r>
+          </a:p>
+          <a:p>
+            <a:r>
+              <a:rPr lang="fr-FR" dirty="0"/>
+              <a:t>Page A propos</a:t>
+            </a:r>
+          </a:p>
+          <a:p>
+            <a:r>
+              <a:rPr lang="fr-FR" dirty="0"/>
+              <a:t>Page d’erreur 404</a:t>
+            </a:r>
+          </a:p>
+          <a:p>
+            <a:pPr marL="0" indent="0">
+              <a:buNone/>
+            </a:pPr>
+            <a:r>
+              <a:rPr lang="fr-FR" dirty="0"/>
+              <a:t>Chaque page est codé grâce au fichier .</a:t>
+            </a:r>
+            <a:r>
+              <a:rPr lang="fr-FR" dirty="0" err="1"/>
+              <a:t>jsx</a:t>
+            </a:r>
+            <a:r>
+              <a:rPr lang="fr-FR" dirty="0"/>
+              <a:t> et un fichier .css qui lui est associé</a:t>
+            </a:r>
+          </a:p>
+          <a:p>
+            <a:pPr marL="0" indent="0">
+              <a:buNone/>
+            </a:pPr>
+            <a:r>
+              <a:rPr lang="fr-FR" dirty="0"/>
+              <a:t>Fonctionnalité d’import systématiquement utilisée.</a:t>
+            </a:r>
+          </a:p>
+          <a:p>
+            <a:endParaRPr lang="fr-FR" dirty="0"/>
+          </a:p>
+          <a:p>
+            <a:endParaRPr lang="fr-FR" dirty="0"/>
+          </a:p>
+        </p:txBody>
+      </p:sp>
+    </p:spTree>
+    <p:extLst>
+      <p:ext uri="{BB962C8B-B14F-4D97-AF65-F5344CB8AC3E}">
+        <p14:creationId xmlns:p14="http://schemas.microsoft.com/office/powerpoint/2010/main" val="1452266651"/>
+      </p:ext>
+    </p:extLst>
+  </p:cSld>
+  <p:clrMapOvr>
+    <a:masterClrMapping/>
+  </p:clrMapOvr>
+</p:sld>
+</file>
+
+<file path=ppt/slides/slide6.xml><?xml version="1.0" encoding="utf-8"?>
+<p:sld xmlns:a="http://schemas.openxmlformats.org/drawingml/2006/main" xmlns:r="http://schemas.openxmlformats.org/officeDocument/2006/relationships" xmlns:p="http://schemas.openxmlformats.org/presentationml/2006/main">
+  <p:cSld>
+    <p:spTree>
+      <p:nvGrpSpPr>
+        <p:cNvPr id="1" name=""/>
+        <p:cNvGrpSpPr/>
+        <p:nvPr/>
+      </p:nvGrpSpPr>
+      <p:grpSpPr>
+        <a:xfrm>
+          <a:off x="0" y="0"/>
+          <a:ext cx="0" cy="0"/>
+          <a:chOff x="0" y="0"/>
+          <a:chExt cx="0" cy="0"/>
+        </a:xfrm>
+      </p:grpSpPr>
+      <p:sp>
+        <p:nvSpPr>
+          <p:cNvPr id="2" name="Titre 1">
+            <a:extLst>
+              <a:ext uri="{FF2B5EF4-FFF2-40B4-BE49-F238E27FC236}">
+                <a16:creationId xmlns:a16="http://schemas.microsoft.com/office/drawing/2014/main" id="{FE320895-9989-FE61-65BB-CDD2D4A40F71}"/>
+              </a:ext>
+            </a:extLst>
+          </p:cNvPr>
+          <p:cNvSpPr>
+            <a:spLocks noGrp="1"/>
+          </p:cNvSpPr>
+          <p:nvPr>
+            <p:ph type="title"/>
+          </p:nvPr>
+        </p:nvSpPr>
+        <p:spPr/>
+        <p:txBody>
+          <a:bodyPr/>
+          <a:lstStyle/>
+          <a:p>
+            <a:r>
+              <a:rPr lang="fr-FR" dirty="0"/>
+              <a:t>Les pages sont liées aux composants</a:t>
+            </a:r>
+          </a:p>
+        </p:txBody>
+      </p:sp>
+      <p:sp>
+        <p:nvSpPr>
+          <p:cNvPr id="3" name="Espace réservé du contenu 2">
+            <a:extLst>
+              <a:ext uri="{FF2B5EF4-FFF2-40B4-BE49-F238E27FC236}">
+                <a16:creationId xmlns:a16="http://schemas.microsoft.com/office/drawing/2014/main" id="{4D15E716-780F-95E8-D5CB-CB000B3E1D36}"/>
+              </a:ext>
+            </a:extLst>
+          </p:cNvPr>
+          <p:cNvSpPr>
+            <a:spLocks noGrp="1"/>
+          </p:cNvSpPr>
+          <p:nvPr>
+            <p:ph idx="1"/>
+          </p:nvPr>
+        </p:nvSpPr>
+        <p:spPr/>
+        <p:txBody>
+          <a:bodyPr/>
+          <a:lstStyle/>
+          <a:p>
+            <a:pPr marL="0" indent="0">
+              <a:buNone/>
+            </a:pPr>
+            <a:r>
+              <a:rPr lang="fr-FR" dirty="0"/>
+              <a:t>Les pages sont construites à l’aide des composants.</a:t>
+            </a:r>
+          </a:p>
+          <a:p>
+            <a:pPr marL="0" indent="0">
+              <a:buNone/>
+            </a:pPr>
+            <a:r>
+              <a:rPr lang="fr-FR" dirty="0"/>
+              <a:t>Le dossier Layout comprend la navbar, le main et le footer.</a:t>
+            </a:r>
+          </a:p>
+          <a:p>
+            <a:pPr marL="0" indent="0">
+              <a:buNone/>
+            </a:pPr>
+            <a:r>
+              <a:rPr lang="fr-FR" dirty="0"/>
+              <a:t>Le dossier Components comprend les différents composants :</a:t>
+            </a:r>
+          </a:p>
+          <a:p>
+            <a:pPr marL="0" indent="0">
+              <a:buNone/>
+            </a:pPr>
+            <a:r>
+              <a:rPr lang="fr-FR" dirty="0"/>
+              <a:t>Apartment, ApartmentBanner, ApartmentGrid, ApartmentHeader, Banner et DescriptionCollapse.</a:t>
+            </a:r>
+          </a:p>
+          <a:p>
+            <a:pPr marL="0" indent="0">
+              <a:buNone/>
+            </a:pPr>
+            <a:endParaRPr lang="fr-FR" dirty="0"/>
+          </a:p>
+          <a:p>
+            <a:pPr marL="0" indent="0">
+              <a:buNone/>
+            </a:pPr>
+            <a:r>
+              <a:rPr lang="fr-FR" dirty="0"/>
+              <a:t>Les composants s’exportent grâce aux fonctions et sont importés dans les pages qui en ont besoin.</a:t>
+            </a:r>
+          </a:p>
+        </p:txBody>
+      </p:sp>
+    </p:spTree>
+    <p:extLst>
+      <p:ext uri="{BB962C8B-B14F-4D97-AF65-F5344CB8AC3E}">
+        <p14:creationId xmlns:p14="http://schemas.microsoft.com/office/powerpoint/2010/main" val="1830962327"/>
+      </p:ext>
+    </p:extLst>
+  </p:cSld>
+  <p:clrMapOvr>
+    <a:masterClrMapping/>
+  </p:clrMapOvr>
+</p:sld>
+</file>
+
+<file path=ppt/slides/slide7.xml><?xml version="1.0" encoding="utf-8"?>
+<p:sld xmlns:a="http://schemas.openxmlformats.org/drawingml/2006/main" xmlns:r="http://schemas.openxmlformats.org/officeDocument/2006/relationships" xmlns:p="http://schemas.openxmlformats.org/presentationml/2006/main">
+  <p:cSld>
+    <p:spTree>
+      <p:nvGrpSpPr>
+        <p:cNvPr id="1" name=""/>
+        <p:cNvGrpSpPr/>
+        <p:nvPr/>
+      </p:nvGrpSpPr>
+      <p:grpSpPr>
+        <a:xfrm>
+          <a:off x="0" y="0"/>
+          <a:ext cx="0" cy="0"/>
+          <a:chOff x="0" y="0"/>
+          <a:chExt cx="0" cy="0"/>
+        </a:xfrm>
+      </p:grpSpPr>
+      <p:sp>
+        <p:nvSpPr>
+          <p:cNvPr id="2" name="Titre 1">
+            <a:extLst>
+              <a:ext uri="{FF2B5EF4-FFF2-40B4-BE49-F238E27FC236}">
+                <a16:creationId xmlns:a16="http://schemas.microsoft.com/office/drawing/2014/main" id="{C9A87ECF-B1DB-2710-7ED4-360DC4BD797E}"/>
+              </a:ext>
+            </a:extLst>
+          </p:cNvPr>
+          <p:cNvSpPr>
+            <a:spLocks noGrp="1"/>
+          </p:cNvSpPr>
+          <p:nvPr>
+            <p:ph type="title"/>
+          </p:nvPr>
+        </p:nvSpPr>
+        <p:spPr/>
+        <p:txBody>
+          <a:bodyPr/>
+          <a:lstStyle/>
+          <a:p>
+            <a:r>
+              <a:rPr lang="fr-FR" dirty="0"/>
+              <a:t>7</a:t>
+            </a:r>
+            <a:r>
+              <a:rPr lang="fr-FR" baseline="30000" dirty="0"/>
+              <a:t>ème</a:t>
+            </a:r>
+            <a:r>
+              <a:rPr lang="fr-FR" dirty="0"/>
+              <a:t> étape : Codage dynamique</a:t>
+            </a:r>
+          </a:p>
+        </p:txBody>
+      </p:sp>
+      <p:sp>
+        <p:nvSpPr>
+          <p:cNvPr id="3" name="Espace réservé du contenu 2">
+            <a:extLst>
+              <a:ext uri="{FF2B5EF4-FFF2-40B4-BE49-F238E27FC236}">
+                <a16:creationId xmlns:a16="http://schemas.microsoft.com/office/drawing/2014/main" id="{7003853E-28CB-F0C1-CB81-3F8014B0CAC4}"/>
+              </a:ext>
+            </a:extLst>
+          </p:cNvPr>
+          <p:cNvSpPr>
+            <a:spLocks noGrp="1"/>
+          </p:cNvSpPr>
+          <p:nvPr>
+            <p:ph idx="1"/>
+          </p:nvPr>
+        </p:nvSpPr>
+        <p:spPr/>
+        <p:txBody>
+          <a:bodyPr/>
+          <a:lstStyle/>
+          <a:p>
+            <a:pPr marL="0" indent="0">
+              <a:buNone/>
+            </a:pPr>
+            <a:r>
+              <a:rPr lang="fr-FR" dirty="0"/>
+              <a:t>On utilise des props pour le remplacement des valeurs requises.</a:t>
+            </a:r>
+          </a:p>
+          <a:p>
+            <a:pPr marL="0" indent="0">
+              <a:buNone/>
+            </a:pPr>
+            <a:r>
+              <a:rPr lang="fr-FR" dirty="0"/>
+              <a:t>Ex : id, </a:t>
+            </a:r>
+            <a:r>
+              <a:rPr lang="fr-FR" dirty="0" err="1"/>
+              <a:t>title</a:t>
+            </a:r>
+            <a:r>
+              <a:rPr lang="fr-FR" dirty="0"/>
+              <a:t>, cover, </a:t>
+            </a:r>
+            <a:r>
+              <a:rPr lang="fr-FR" dirty="0" err="1"/>
+              <a:t>picture</a:t>
+            </a:r>
+            <a:r>
+              <a:rPr lang="fr-FR" dirty="0"/>
+              <a:t>, </a:t>
+            </a:r>
+            <a:r>
+              <a:rPr lang="fr-FR" dirty="0" err="1"/>
+              <a:t>name</a:t>
+            </a:r>
+            <a:r>
+              <a:rPr lang="fr-FR" dirty="0"/>
+              <a:t>, host, rating…</a:t>
+            </a:r>
+          </a:p>
+          <a:p>
+            <a:pPr marL="0" indent="0">
+              <a:buNone/>
+            </a:pPr>
+            <a:endParaRPr lang="fr-FR" dirty="0"/>
+          </a:p>
+          <a:p>
+            <a:pPr marL="0" indent="0">
+              <a:buNone/>
+            </a:pPr>
+            <a:r>
+              <a:rPr lang="fr-FR" dirty="0"/>
+              <a:t>Les </a:t>
+            </a:r>
+            <a:r>
+              <a:rPr lang="fr-FR" dirty="0" err="1"/>
+              <a:t>hooks</a:t>
+            </a:r>
+            <a:r>
+              <a:rPr lang="fr-FR" dirty="0"/>
+              <a:t>, comme </a:t>
+            </a:r>
+            <a:r>
+              <a:rPr lang="fr-FR" dirty="0" err="1"/>
+              <a:t>useParam</a:t>
+            </a:r>
+            <a:r>
+              <a:rPr lang="fr-FR" dirty="0"/>
+              <a:t>, useState et useEffect sont indispensables.</a:t>
+            </a:r>
+          </a:p>
+          <a:p>
+            <a:pPr marL="0" indent="0">
+              <a:buNone/>
+            </a:pPr>
+            <a:endParaRPr lang="fr-FR" dirty="0"/>
+          </a:p>
+          <a:p>
+            <a:pPr marL="0" indent="0">
+              <a:buNone/>
+            </a:pPr>
+            <a:r>
+              <a:rPr lang="fr-FR" dirty="0"/>
+              <a:t>Récupération des données du data.json grâce à fetch.</a:t>
+            </a:r>
+          </a:p>
+          <a:p>
+            <a:pPr marL="0" indent="0">
+              <a:buNone/>
+            </a:pPr>
+            <a:endParaRPr lang="fr-FR" dirty="0"/>
+          </a:p>
+        </p:txBody>
+      </p:sp>
+    </p:spTree>
+    <p:extLst>
+      <p:ext uri="{BB962C8B-B14F-4D97-AF65-F5344CB8AC3E}">
+        <p14:creationId xmlns:p14="http://schemas.microsoft.com/office/powerpoint/2010/main" val="1657337127"/>
+      </p:ext>
+    </p:extLst>
+  </p:cSld>
+  <p:clrMapOvr>
+    <a:masterClrMapping/>
+  </p:clrMapOvr>
+</p:sld>
+</file>
+
+<file path=ppt/slides/slide8.xml><?xml version="1.0" encoding="utf-8"?>
+<p:sld xmlns:a="http://schemas.openxmlformats.org/drawingml/2006/main" xmlns:r="http://schemas.openxmlformats.org/officeDocument/2006/relationships" xmlns:p="http://schemas.openxmlformats.org/presentationml/2006/main">
+  <p:cSld>
+    <p:spTree>
+      <p:nvGrpSpPr>
+        <p:cNvPr id="1" name=""/>
+        <p:cNvGrpSpPr/>
+        <p:nvPr/>
+      </p:nvGrpSpPr>
+      <p:grpSpPr>
+        <a:xfrm>
+          <a:off x="0" y="0"/>
+          <a:ext cx="0" cy="0"/>
+          <a:chOff x="0" y="0"/>
+          <a:chExt cx="0" cy="0"/>
+        </a:xfrm>
+      </p:grpSpPr>
+      <p:sp>
+        <p:nvSpPr>
+          <p:cNvPr id="2" name="Titre 1">
+            <a:extLst>
+              <a:ext uri="{FF2B5EF4-FFF2-40B4-BE49-F238E27FC236}">
+                <a16:creationId xmlns:a16="http://schemas.microsoft.com/office/drawing/2014/main" id="{585BA67E-8435-866D-A19D-DB181F9A4F13}"/>
+              </a:ext>
+            </a:extLst>
+          </p:cNvPr>
+          <p:cNvSpPr>
+            <a:spLocks noGrp="1"/>
+          </p:cNvSpPr>
+          <p:nvPr>
+            <p:ph type="title"/>
+          </p:nvPr>
+        </p:nvSpPr>
+        <p:spPr/>
+        <p:txBody>
+          <a:bodyPr/>
+          <a:lstStyle/>
+          <a:p>
+            <a:r>
+              <a:rPr lang="fr-FR" dirty="0"/>
+              <a:t>Aspect technique : DescriptionCollapse</a:t>
+            </a:r>
+          </a:p>
+        </p:txBody>
+      </p:sp>
+      <p:sp>
+        <p:nvSpPr>
+          <p:cNvPr id="3" name="Espace réservé du contenu 2">
+            <a:extLst>
+              <a:ext uri="{FF2B5EF4-FFF2-40B4-BE49-F238E27FC236}">
+                <a16:creationId xmlns:a16="http://schemas.microsoft.com/office/drawing/2014/main" id="{9ADF5C50-A24D-10F1-D96B-32BC653E27D2}"/>
+              </a:ext>
+            </a:extLst>
+          </p:cNvPr>
+          <p:cNvSpPr>
+            <a:spLocks noGrp="1"/>
+          </p:cNvSpPr>
+          <p:nvPr>
+            <p:ph idx="1"/>
+          </p:nvPr>
+        </p:nvSpPr>
+        <p:spPr/>
+        <p:txBody>
+          <a:bodyPr>
+            <a:normAutofit fontScale="92500" lnSpcReduction="10000"/>
+          </a:bodyPr>
+          <a:lstStyle/>
+          <a:p>
+            <a:pPr marL="0" indent="0">
+              <a:buNone/>
+            </a:pPr>
+            <a:r>
+              <a:rPr lang="fr-FR" dirty="0"/>
+              <a:t>DescriptionCollapse est une fonction avec deux props : content et </a:t>
+            </a:r>
+            <a:r>
+              <a:rPr lang="fr-FR" dirty="0" err="1"/>
+              <a:t>title</a:t>
+            </a:r>
+            <a:r>
+              <a:rPr lang="fr-FR" dirty="0"/>
+              <a:t>.</a:t>
+            </a:r>
+          </a:p>
+          <a:p>
+            <a:pPr marL="0" indent="0">
+              <a:buNone/>
+            </a:pPr>
+            <a:endParaRPr lang="fr-FR" dirty="0"/>
+          </a:p>
+          <a:p>
+            <a:pPr marL="0" indent="0">
+              <a:buNone/>
+            </a:pPr>
+            <a:r>
+              <a:rPr lang="fr-FR" dirty="0"/>
+              <a:t>On utilise le hook useState pour gérer l'état local de isContentVisible, qui indique si le contenu est actuellement visible ou non.</a:t>
+            </a:r>
+          </a:p>
+          <a:p>
+            <a:pPr marL="0" indent="0">
+              <a:buNone/>
+            </a:pPr>
+            <a:endParaRPr lang="fr-FR" dirty="0"/>
+          </a:p>
+          <a:p>
+            <a:pPr marL="0" indent="0">
+              <a:buNone/>
+            </a:pPr>
+            <a:r>
+              <a:rPr lang="fr-FR" dirty="0"/>
+              <a:t>Lorsque l'utilisateur clique sur l'icône, la fonction showContent est appelée, ce qui inverse simplement l'état de isContentVisible.</a:t>
+            </a:r>
+          </a:p>
+          <a:p>
+            <a:pPr marL="0" indent="0">
+              <a:buNone/>
+            </a:pPr>
+            <a:endParaRPr lang="fr-FR" dirty="0"/>
+          </a:p>
+          <a:p>
+            <a:pPr marL="0" indent="0">
+              <a:buNone/>
+            </a:pPr>
+            <a:r>
+              <a:rPr lang="fr-FR" dirty="0"/>
+              <a:t>En fonction de la valeur de isContentVisible, le composant affiche ou masque le contenu.</a:t>
+            </a:r>
+          </a:p>
+          <a:p>
+            <a:pPr marL="0" indent="0">
+              <a:buNone/>
+            </a:pPr>
+            <a:endParaRPr lang="fr-FR" dirty="0"/>
+          </a:p>
+          <a:p>
+            <a:pPr marL="0" indent="0">
+              <a:buNone/>
+            </a:pPr>
+            <a:endParaRPr lang="fr-FR" dirty="0"/>
+          </a:p>
+        </p:txBody>
+      </p:sp>
+    </p:spTree>
+    <p:extLst>
+      <p:ext uri="{BB962C8B-B14F-4D97-AF65-F5344CB8AC3E}">
+        <p14:creationId xmlns:p14="http://schemas.microsoft.com/office/powerpoint/2010/main" val="3035657250"/>
+      </p:ext>
+    </p:extLst>
+  </p:cSld>
+  <p:clrMapOvr>
+    <a:masterClrMapping/>
+  </p:clrMapOvr>
+</p:sld>
+</file>
+
+<file path=ppt/slides/slide9.xml><?xml version="1.0" encoding="utf-8"?>
+<p:sld xmlns:a="http://schemas.openxmlformats.org/drawingml/2006/main" xmlns:r="http://schemas.openxmlformats.org/officeDocument/2006/relationships" xmlns:p="http://schemas.openxmlformats.org/presentationml/2006/main">
+  <p:cSld>
+    <p:spTree>
+      <p:nvGrpSpPr>
+        <p:cNvPr id="1" name=""/>
+        <p:cNvGrpSpPr/>
+        <p:nvPr/>
+      </p:nvGrpSpPr>
+      <p:grpSpPr>
+        <a:xfrm>
+          <a:off x="0" y="0"/>
+          <a:ext cx="0" cy="0"/>
+          <a:chOff x="0" y="0"/>
+          <a:chExt cx="0" cy="0"/>
+        </a:xfrm>
+      </p:grpSpPr>
+      <p:sp>
+        <p:nvSpPr>
+          <p:cNvPr id="2" name="Titre 1">
+            <a:extLst>
+              <a:ext uri="{FF2B5EF4-FFF2-40B4-BE49-F238E27FC236}">
+                <a16:creationId xmlns:a16="http://schemas.microsoft.com/office/drawing/2014/main" id="{F94CD130-BC36-1B36-0870-FC8B0CCC37E2}"/>
+              </a:ext>
+            </a:extLst>
+          </p:cNvPr>
+          <p:cNvSpPr>
+            <a:spLocks noGrp="1"/>
+          </p:cNvSpPr>
+          <p:nvPr>
+            <p:ph type="title"/>
+          </p:nvPr>
+        </p:nvSpPr>
+        <p:spPr/>
+        <p:txBody>
+          <a:bodyPr/>
+          <a:lstStyle/>
+          <a:p>
+            <a:r>
+              <a:rPr lang="fr-FR" dirty="0"/>
+              <a:t>Aspect technique : Carrousel</a:t>
+            </a:r>
+          </a:p>
+        </p:txBody>
+      </p:sp>
+      <p:sp>
+        <p:nvSpPr>
+          <p:cNvPr id="3" name="Espace réservé du contenu 2">
+            <a:extLst>
+              <a:ext uri="{FF2B5EF4-FFF2-40B4-BE49-F238E27FC236}">
+                <a16:creationId xmlns:a16="http://schemas.microsoft.com/office/drawing/2014/main" id="{BE0411CD-D643-79A7-5A36-AF46BB670F24}"/>
+              </a:ext>
+            </a:extLst>
+          </p:cNvPr>
+          <p:cNvSpPr>
+            <a:spLocks noGrp="1"/>
+          </p:cNvSpPr>
+          <p:nvPr>
+            <p:ph idx="1"/>
+          </p:nvPr>
+        </p:nvSpPr>
+        <p:spPr/>
+        <p:txBody>
+          <a:bodyPr>
+            <a:normAutofit fontScale="77500" lnSpcReduction="20000"/>
+          </a:bodyPr>
+          <a:lstStyle/>
+          <a:p>
+            <a:pPr marL="0" indent="0">
+              <a:buNone/>
+            </a:pPr>
+            <a:r>
+              <a:rPr lang="fr-FR" dirty="0"/>
+              <a:t>ApartmentBanner utilise le hook useState pour suivre l'indice de l'image actuellement affichée dans le carrousel.</a:t>
+            </a:r>
+          </a:p>
+          <a:p>
+            <a:pPr marL="0" indent="0">
+              <a:buNone/>
+            </a:pPr>
+            <a:endParaRPr lang="fr-FR" dirty="0"/>
+          </a:p>
+          <a:p>
+            <a:pPr marL="0" indent="0">
+              <a:buNone/>
+            </a:pPr>
+            <a:r>
+              <a:rPr lang="fr-FR" dirty="0"/>
+              <a:t>Lorsque l'utilisateur clique sur "Suivant", l'indice de l'image est augmenté, en s'assurant qu'il reste dans les limites de la liste des images.</a:t>
+            </a:r>
+          </a:p>
+          <a:p>
+            <a:pPr marL="0" indent="0">
+              <a:buNone/>
+            </a:pPr>
+            <a:r>
+              <a:rPr lang="fr-FR" dirty="0"/>
+              <a:t>Lorsque l'utilisateur clique sur "Précédent", l'indice de l'image est diminué, en s'assurant qu'il reste dans les limites de la liste des images.</a:t>
+            </a:r>
+          </a:p>
+          <a:p>
+            <a:pPr marL="0" indent="0">
+              <a:buNone/>
+            </a:pPr>
+            <a:endParaRPr lang="fr-FR" dirty="0"/>
+          </a:p>
+          <a:p>
+            <a:pPr marL="0" indent="0">
+              <a:buNone/>
+            </a:pPr>
+            <a:r>
+              <a:rPr lang="fr-FR" dirty="0"/>
+              <a:t>Si la liste des images ne contient qu'une seule image, cette image est affichée sans boutons de navigation.</a:t>
+            </a:r>
+          </a:p>
+          <a:p>
+            <a:pPr marL="0" indent="0">
+              <a:buNone/>
+            </a:pPr>
+            <a:endParaRPr lang="fr-FR" dirty="0"/>
+          </a:p>
+          <a:p>
+            <a:pPr marL="0" indent="0">
+              <a:buNone/>
+            </a:pPr>
+            <a:r>
+              <a:rPr lang="fr-FR" dirty="0"/>
+              <a:t>Si la liste des images contient plus d'une image, les boutons de navigation "Suivant" et "Précédent" sont affichés pour permettre à l'utilisateur de naviguer entre les images.</a:t>
+            </a:r>
+          </a:p>
+        </p:txBody>
+      </p:sp>
+    </p:spTree>
+    <p:extLst>
+      <p:ext uri="{BB962C8B-B14F-4D97-AF65-F5344CB8AC3E}">
+        <p14:creationId xmlns:p14="http://schemas.microsoft.com/office/powerpoint/2010/main" val="4078679572"/>
       </p:ext>
     </p:extLst>
   </p:cSld>
